--- a/courses/popl/slides/lec01-overview.pptx
+++ b/courses/popl/slides/lec01-overview.pptx
@@ -5308,7 +5308,22 @@
                   <a:srgbClr val="000000"/>
                 </a:solidFill>
               </a:rPr>
-              <a:t>(PI),</a:t>
+              <a:t>(PI)</a:t>
+            </a:r>
+          </a:p>
+          <a:p>
+            <a:pPr lvl="1">
+              <a:buClr>
+                <a:srgbClr val="3333CC"/>
+              </a:buClr>
+            </a:pPr>
+            <a:r>
+              <a:rPr lang="en-US" altLang="zh-CN" sz="2400" dirty="0">
+                <a:solidFill>
+                  <a:srgbClr val="000000"/>
+                </a:solidFill>
+              </a:rPr>
+              <a:t>Shuang</a:t>
             </a:r>
             <a:r>
               <a:rPr lang="zh-CN" altLang="en-US" sz="2400" dirty="0">
@@ -5319,12 +5334,44 @@
               <a:t> </a:t>
             </a:r>
             <a:r>
+              <a:rPr lang="en-US" altLang="zh-CN" sz="2400" dirty="0">
+                <a:solidFill>
+                  <a:srgbClr val="000000"/>
+                </a:solidFill>
+              </a:rPr>
+              <a:t>Hu</a:t>
+            </a:r>
+            <a:r>
+              <a:rPr lang="zh-CN" altLang="en-US" sz="2400" dirty="0">
+                <a:solidFill>
+                  <a:srgbClr val="000000"/>
+                </a:solidFill>
+              </a:rPr>
+              <a:t> </a:t>
+            </a:r>
+            <a:r>
+              <a:rPr lang="en-US" altLang="zh-CN" sz="2400" dirty="0">
+                <a:solidFill>
+                  <a:srgbClr val="000000"/>
+                </a:solidFill>
+              </a:rPr>
+              <a:t>(TA)</a:t>
+            </a:r>
+            <a:endParaRPr lang="en-US" altLang="zh-CN" sz="2400" dirty="0"/>
+          </a:p>
+          <a:p>
+            <a:pPr lvl="1">
+              <a:buClr>
+                <a:srgbClr val="3333CC"/>
+              </a:buClr>
+            </a:pPr>
+            <a:r>
               <a:rPr lang="en-US" altLang="zh-CN" sz="2400" dirty="0" err="1">
                 <a:solidFill>
                   <a:srgbClr val="000000"/>
                 </a:solidFill>
               </a:rPr>
-              <a:t>bjhua</a:t>
+              <a:t>Wenlong</a:t>
             </a:r>
             <a:r>
               <a:rPr lang="zh-CN" altLang="en-US" sz="2400" dirty="0">
@@ -5340,7 +5387,7 @@
                   <a:srgbClr val="000000"/>
                 </a:solidFill>
               </a:rPr>
-              <a:t>–</a:t>
+              <a:t>Zheng</a:t>
             </a:r>
             <a:r>
               <a:rPr lang="zh-CN" altLang="en-US" sz="2400" dirty="0">
@@ -5351,194 +5398,13 @@
               <a:t> </a:t>
             </a:r>
             <a:r>
-              <a:rPr lang="en-US" altLang="zh-CN" sz="2400" dirty="0" err="1">
-                <a:solidFill>
-                  <a:srgbClr val="000000"/>
-                </a:solidFill>
-              </a:rPr>
-              <a:t>ustc.edu.cn</a:t>
-            </a:r>
-            <a:endParaRPr lang="en-US" altLang="zh-CN" sz="2400" dirty="0">
-              <a:solidFill>
-                <a:srgbClr val="000000"/>
-              </a:solidFill>
-            </a:endParaRPr>
-          </a:p>
-          <a:p>
-            <a:pPr lvl="1">
-              <a:buClr>
-                <a:srgbClr val="3333CC"/>
-              </a:buClr>
-            </a:pPr>
-            <a:r>
-              <a:rPr lang="en-US" altLang="zh-CN" sz="2400" dirty="0" err="1">
-                <a:solidFill>
-                  <a:srgbClr val="000000"/>
-                </a:solidFill>
-              </a:rPr>
-              <a:t>Xinrong</a:t>
-            </a:r>
-            <a:r>
-              <a:rPr lang="zh-CN" altLang="en-US" sz="2400" dirty="0">
-                <a:solidFill>
-                  <a:srgbClr val="000000"/>
-                </a:solidFill>
-              </a:rPr>
-              <a:t> </a:t>
-            </a:r>
-            <a:r>
               <a:rPr lang="en-US" altLang="zh-CN" sz="2400" dirty="0">
                 <a:solidFill>
                   <a:srgbClr val="000000"/>
                 </a:solidFill>
               </a:rPr>
-              <a:t>Lin</a:t>
-            </a:r>
-            <a:r>
-              <a:rPr lang="zh-CN" altLang="en-US" sz="2400" dirty="0">
-                <a:solidFill>
-                  <a:srgbClr val="000000"/>
-                </a:solidFill>
-              </a:rPr>
-              <a:t> </a:t>
-            </a:r>
-            <a:r>
-              <a:rPr lang="en-US" altLang="zh-CN" sz="2400" dirty="0">
-                <a:solidFill>
-                  <a:srgbClr val="000000"/>
-                </a:solidFill>
-              </a:rPr>
-              <a:t>(TA),</a:t>
-            </a:r>
-            <a:r>
-              <a:rPr lang="zh-CN" altLang="en-US" sz="2400" dirty="0">
-                <a:solidFill>
-                  <a:srgbClr val="000000"/>
-                </a:solidFill>
-              </a:rPr>
-              <a:t> </a:t>
-            </a:r>
-            <a:r>
-              <a:rPr lang="en-US" altLang="zh-CN" sz="2400" dirty="0"/>
-              <a:t>lxr1210</a:t>
-            </a:r>
-            <a:r>
-              <a:rPr lang="zh-CN" altLang="en-US" sz="2400" dirty="0"/>
-              <a:t> </a:t>
-            </a:r>
-            <a:r>
-              <a:rPr lang="en-US" altLang="zh-CN" sz="2400" dirty="0"/>
-              <a:t>–</a:t>
-            </a:r>
-            <a:r>
-              <a:rPr lang="zh-CN" altLang="en-US" sz="2400" dirty="0"/>
-              <a:t> </a:t>
-            </a:r>
-            <a:r>
-              <a:rPr lang="en-US" altLang="zh-CN" sz="2400" dirty="0" err="1"/>
-              <a:t>mail.ustc.edu.cn</a:t>
-            </a:r>
-            <a:endParaRPr lang="en-US" altLang="zh-CN" sz="2400" dirty="0"/>
-          </a:p>
-          <a:p>
-            <a:pPr lvl="1">
-              <a:buClr>
-                <a:srgbClr val="3333CC"/>
-              </a:buClr>
-            </a:pPr>
-            <a:r>
-              <a:rPr lang="en-US" altLang="zh-CN" sz="2400" dirty="0">
-                <a:solidFill>
-                  <a:srgbClr val="000000"/>
-                </a:solidFill>
-              </a:rPr>
-              <a:t>Hao</a:t>
-            </a:r>
-            <a:r>
-              <a:rPr lang="zh-CN" altLang="en-US" sz="2400" dirty="0">
-                <a:solidFill>
-                  <a:srgbClr val="000000"/>
-                </a:solidFill>
-              </a:rPr>
-              <a:t> </a:t>
-            </a:r>
-            <a:r>
-              <a:rPr lang="en-US" altLang="zh-CN" sz="2400" dirty="0">
-                <a:solidFill>
-                  <a:srgbClr val="000000"/>
-                </a:solidFill>
-              </a:rPr>
-              <a:t>Zhu</a:t>
-            </a:r>
-            <a:r>
-              <a:rPr lang="zh-CN" altLang="en-US" sz="2400" dirty="0">
-                <a:solidFill>
-                  <a:srgbClr val="000000"/>
-                </a:solidFill>
-              </a:rPr>
-              <a:t> </a:t>
-            </a:r>
-            <a:r>
-              <a:rPr lang="en-US" altLang="zh-CN" sz="2400" dirty="0">
-                <a:solidFill>
-                  <a:srgbClr val="000000"/>
-                </a:solidFill>
-              </a:rPr>
-              <a:t>(TA),</a:t>
-            </a:r>
-            <a:r>
-              <a:rPr lang="zh-CN" altLang="en-US" sz="2400" dirty="0">
-                <a:solidFill>
-                  <a:srgbClr val="000000"/>
-                </a:solidFill>
-              </a:rPr>
-              <a:t> </a:t>
-            </a:r>
-            <a:r>
-              <a:rPr lang="en-US" altLang="zh-CN" sz="2400" dirty="0" err="1">
-                <a:solidFill>
-                  <a:srgbClr val="000000"/>
-                </a:solidFill>
-              </a:rPr>
-              <a:t>hhxk</a:t>
-            </a:r>
-            <a:r>
-              <a:rPr lang="zh-CN" altLang="en-US" sz="2400" dirty="0">
-                <a:solidFill>
-                  <a:srgbClr val="000000"/>
-                </a:solidFill>
-              </a:rPr>
-              <a:t> </a:t>
-            </a:r>
-            <a:r>
-              <a:rPr lang="en-US" altLang="zh-CN" sz="2400" dirty="0">
-                <a:solidFill>
-                  <a:srgbClr val="000000"/>
-                </a:solidFill>
-              </a:rPr>
-              <a:t>–</a:t>
-            </a:r>
-            <a:r>
-              <a:rPr lang="zh-CN" altLang="en-US" sz="2400" dirty="0">
-                <a:solidFill>
-                  <a:srgbClr val="000000"/>
-                </a:solidFill>
-              </a:rPr>
-              <a:t> </a:t>
-            </a:r>
-            <a:r>
-              <a:rPr lang="en-US" altLang="zh-CN" sz="2400" dirty="0" err="1">
-                <a:solidFill>
-                  <a:srgbClr val="000000"/>
-                </a:solidFill>
-              </a:rPr>
-              <a:t>mail.ustc.edu.cn</a:t>
-            </a:r>
-            <a:endParaRPr lang="en-US" altLang="zh-CN" sz="2400" dirty="0">
-              <a:solidFill>
-                <a:srgbClr val="000000"/>
-              </a:solidFill>
-            </a:endParaRPr>
+              <a:t>(TA)</a:t>
+            </a:r>
           </a:p>
           <a:p>
             <a:pPr marL="0" indent="0">
@@ -6701,25 +6567,30 @@
           <a:p>
             <a:r>
               <a:rPr lang="en-US" altLang="zh-CN" dirty="0"/>
-              <a:t>20% for project</a:t>
-            </a:r>
-          </a:p>
-          <a:p>
-            <a:r>
-              <a:rPr lang="en-US" altLang="zh-CN" dirty="0"/>
-              <a:t>20% for middle test</a:t>
-            </a:r>
-          </a:p>
-          <a:p>
-            <a:r>
-              <a:rPr lang="en-US" altLang="zh-CN" dirty="0"/>
-              <a:t>30% for assignments</a:t>
-            </a:r>
-          </a:p>
-          <a:p>
-            <a:r>
-              <a:rPr lang="en-US" altLang="zh-CN" dirty="0"/>
-              <a:t>30% for final test</a:t>
+              <a:t>50% for assignment</a:t>
+            </a:r>
+            <a:r>
+              <a:rPr lang="zh-CN" altLang="en-US" dirty="0"/>
+              <a:t> </a:t>
+            </a:r>
+            <a:r>
+              <a:rPr lang="en-US" altLang="zh-CN" dirty="0"/>
+              <a:t>and</a:t>
+            </a:r>
+            <a:r>
+              <a:rPr lang="zh-CN" altLang="en-US" dirty="0"/>
+              <a:t> </a:t>
+            </a:r>
+            <a:r>
+              <a:rPr lang="en-US" altLang="zh-CN"/>
+              <a:t>project</a:t>
+            </a:r>
+            <a:endParaRPr lang="en-US" altLang="zh-CN" dirty="0"/>
+          </a:p>
+          <a:p>
+            <a:r>
+              <a:rPr lang="en-US" altLang="zh-CN" dirty="0"/>
+              <a:t>50% for final test</a:t>
             </a:r>
           </a:p>
         </p:txBody>
